--- a/src/main/resources/Курс повышения квалификации Java middle.pptx
+++ b/src/main/resources/Курс повышения квалификации Java middle.pptx
@@ -109,6 +109,11 @@
       </a:defRPr>
     </a:lvl9pPr>
   </p:defaultTextStyle>
+  <p:extLst>
+    <p:ext uri="{EFAFB233-063F-42B5-8137-9DF3F51BA10A}">
+      <p15:sldGuideLst xmlns:p15="http://schemas.microsoft.com/office/powerpoint/2012/main"/>
+    </p:ext>
+  </p:extLst>
 </p:presentation>
 </file>
 
@@ -7027,8 +7032,17 @@
               <a:rPr lang="en-US" dirty="0">
                 <a:latin typeface="Slack-Lato"/>
               </a:rPr>
-              <a:t>)</a:t>
-            </a:r>
+              <a:t>) – </a:t>
+            </a:r>
+            <a:r>
+              <a:rPr lang="ru-RU" dirty="0">
+                <a:latin typeface="Slack-Lato"/>
+              </a:rPr>
+              <a:t>для подключения вложенных каталогов к слежению</a:t>
+            </a:r>
+            <a:endParaRPr lang="en-US" dirty="0">
+              <a:latin typeface="Slack-Lato"/>
+            </a:endParaRPr>
           </a:p>
           <a:p>
             <a:pPr>
@@ -7045,19 +7059,14 @@
               <a:rPr lang="ru-RU" dirty="0">
                 <a:latin typeface="Slack-Lato"/>
               </a:rPr>
-              <a:t>Фабрика</a:t>
-            </a:r>
-          </a:p>
-          <a:p>
-            <a:pPr marL="0" indent="0">
-              <a:lnSpc>
-                <a:spcPct val="150000"/>
-              </a:lnSpc>
-              <a:spcBef>
-                <a:spcPts val="0"/>
-              </a:spcBef>
-              <a:buNone/>
-            </a:pPr>
+              <a:t>Фабрика – для </a:t>
+            </a:r>
+            <a:r>
+              <a:rPr lang="ru-RU">
+                <a:latin typeface="Slack-Lato"/>
+              </a:rPr>
+              <a:t>создания объектов</a:t>
+            </a:r>
             <a:endParaRPr lang="ru-RU" dirty="0">
               <a:latin typeface="Slack-Lato"/>
             </a:endParaRPr>
